--- a/Resources/ppt.pptx
+++ b/Resources/ppt.pptx
@@ -6,6 +6,9 @@
   </p:sldMasterIdLst>
   <p:sldIdLst>
     <p:sldId id="256" r:id="rId2"/>
+    <p:sldId id="257" r:id="rId3"/>
+    <p:sldId id="258" r:id="rId4"/>
+    <p:sldId id="259" r:id="rId5"/>
   </p:sldIdLst>
   <p:sldSz cx="9144000" cy="6858000" type="screen4x3"/>
   <p:notesSz cx="6858000" cy="9144000"/>
@@ -288,7 +291,8 @@
           <a:p>
             <a:fld id="{1543F103-66FF-47AC-A04B-63963FFB51F7}" type="datetimeFigureOut">
               <a:rPr lang="en-US" smtClean="0"/>
-              <a:t>27/08/2017</a:t>
+              <a:pPr/>
+              <a:t>30/08/2017</a:t>
             </a:fld>
             <a:endParaRPr lang="en-US"/>
           </a:p>
@@ -330,6 +334,7 @@
           <a:p>
             <a:fld id="{6545674E-56E4-4678-8196-D39826307EEE}" type="slidenum">
               <a:rPr lang="en-US" smtClean="0"/>
+              <a:pPr/>
               <a:t>‹#›</a:t>
             </a:fld>
             <a:endParaRPr lang="en-US"/>
@@ -453,7 +458,8 @@
           <a:p>
             <a:fld id="{1543F103-66FF-47AC-A04B-63963FFB51F7}" type="datetimeFigureOut">
               <a:rPr lang="en-US" smtClean="0"/>
-              <a:t>27/08/2017</a:t>
+              <a:pPr/>
+              <a:t>30/08/2017</a:t>
             </a:fld>
             <a:endParaRPr lang="en-US"/>
           </a:p>
@@ -495,6 +501,7 @@
           <a:p>
             <a:fld id="{6545674E-56E4-4678-8196-D39826307EEE}" type="slidenum">
               <a:rPr lang="en-US" smtClean="0"/>
+              <a:pPr/>
               <a:t>‹#›</a:t>
             </a:fld>
             <a:endParaRPr lang="en-US"/>
@@ -628,7 +635,8 @@
           <a:p>
             <a:fld id="{1543F103-66FF-47AC-A04B-63963FFB51F7}" type="datetimeFigureOut">
               <a:rPr lang="en-US" smtClean="0"/>
-              <a:t>27/08/2017</a:t>
+              <a:pPr/>
+              <a:t>30/08/2017</a:t>
             </a:fld>
             <a:endParaRPr lang="en-US"/>
           </a:p>
@@ -670,6 +678,7 @@
           <a:p>
             <a:fld id="{6545674E-56E4-4678-8196-D39826307EEE}" type="slidenum">
               <a:rPr lang="en-US" smtClean="0"/>
+              <a:pPr/>
               <a:t>‹#›</a:t>
             </a:fld>
             <a:endParaRPr lang="en-US"/>
@@ -793,7 +802,8 @@
           <a:p>
             <a:fld id="{1543F103-66FF-47AC-A04B-63963FFB51F7}" type="datetimeFigureOut">
               <a:rPr lang="en-US" smtClean="0"/>
-              <a:t>27/08/2017</a:t>
+              <a:pPr/>
+              <a:t>30/08/2017</a:t>
             </a:fld>
             <a:endParaRPr lang="en-US"/>
           </a:p>
@@ -835,6 +845,7 @@
           <a:p>
             <a:fld id="{6545674E-56E4-4678-8196-D39826307EEE}" type="slidenum">
               <a:rPr lang="en-US" smtClean="0"/>
+              <a:pPr/>
               <a:t>‹#›</a:t>
             </a:fld>
             <a:endParaRPr lang="en-US"/>
@@ -1034,7 +1045,8 @@
           <a:p>
             <a:fld id="{1543F103-66FF-47AC-A04B-63963FFB51F7}" type="datetimeFigureOut">
               <a:rPr lang="en-US" smtClean="0"/>
-              <a:t>27/08/2017</a:t>
+              <a:pPr/>
+              <a:t>30/08/2017</a:t>
             </a:fld>
             <a:endParaRPr lang="en-US"/>
           </a:p>
@@ -1076,6 +1088,7 @@
           <a:p>
             <a:fld id="{6545674E-56E4-4678-8196-D39826307EEE}" type="slidenum">
               <a:rPr lang="en-US" smtClean="0"/>
+              <a:pPr/>
               <a:t>‹#›</a:t>
             </a:fld>
             <a:endParaRPr lang="en-US"/>
@@ -1317,7 +1330,8 @@
           <a:p>
             <a:fld id="{1543F103-66FF-47AC-A04B-63963FFB51F7}" type="datetimeFigureOut">
               <a:rPr lang="en-US" smtClean="0"/>
-              <a:t>27/08/2017</a:t>
+              <a:pPr/>
+              <a:t>30/08/2017</a:t>
             </a:fld>
             <a:endParaRPr lang="en-US"/>
           </a:p>
@@ -1359,6 +1373,7 @@
           <a:p>
             <a:fld id="{6545674E-56E4-4678-8196-D39826307EEE}" type="slidenum">
               <a:rPr lang="en-US" smtClean="0"/>
+              <a:pPr/>
               <a:t>‹#›</a:t>
             </a:fld>
             <a:endParaRPr lang="en-US"/>
@@ -1734,7 +1749,8 @@
           <a:p>
             <a:fld id="{1543F103-66FF-47AC-A04B-63963FFB51F7}" type="datetimeFigureOut">
               <a:rPr lang="en-US" smtClean="0"/>
-              <a:t>27/08/2017</a:t>
+              <a:pPr/>
+              <a:t>30/08/2017</a:t>
             </a:fld>
             <a:endParaRPr lang="en-US"/>
           </a:p>
@@ -1776,6 +1792,7 @@
           <a:p>
             <a:fld id="{6545674E-56E4-4678-8196-D39826307EEE}" type="slidenum">
               <a:rPr lang="en-US" smtClean="0"/>
+              <a:pPr/>
               <a:t>‹#›</a:t>
             </a:fld>
             <a:endParaRPr lang="en-US"/>
@@ -1847,7 +1864,8 @@
           <a:p>
             <a:fld id="{1543F103-66FF-47AC-A04B-63963FFB51F7}" type="datetimeFigureOut">
               <a:rPr lang="en-US" smtClean="0"/>
-              <a:t>27/08/2017</a:t>
+              <a:pPr/>
+              <a:t>30/08/2017</a:t>
             </a:fld>
             <a:endParaRPr lang="en-US"/>
           </a:p>
@@ -1889,6 +1907,7 @@
           <a:p>
             <a:fld id="{6545674E-56E4-4678-8196-D39826307EEE}" type="slidenum">
               <a:rPr lang="en-US" smtClean="0"/>
+              <a:pPr/>
               <a:t>‹#›</a:t>
             </a:fld>
             <a:endParaRPr lang="en-US"/>
@@ -1937,7 +1956,8 @@
           <a:p>
             <a:fld id="{1543F103-66FF-47AC-A04B-63963FFB51F7}" type="datetimeFigureOut">
               <a:rPr lang="en-US" smtClean="0"/>
-              <a:t>27/08/2017</a:t>
+              <a:pPr/>
+              <a:t>30/08/2017</a:t>
             </a:fld>
             <a:endParaRPr lang="en-US"/>
           </a:p>
@@ -1979,6 +1999,7 @@
           <a:p>
             <a:fld id="{6545674E-56E4-4678-8196-D39826307EEE}" type="slidenum">
               <a:rPr lang="en-US" smtClean="0"/>
+              <a:pPr/>
               <a:t>‹#›</a:t>
             </a:fld>
             <a:endParaRPr lang="en-US"/>
@@ -2209,7 +2230,8 @@
           <a:p>
             <a:fld id="{1543F103-66FF-47AC-A04B-63963FFB51F7}" type="datetimeFigureOut">
               <a:rPr lang="en-US" smtClean="0"/>
-              <a:t>27/08/2017</a:t>
+              <a:pPr/>
+              <a:t>30/08/2017</a:t>
             </a:fld>
             <a:endParaRPr lang="en-US"/>
           </a:p>
@@ -2251,6 +2273,7 @@
           <a:p>
             <a:fld id="{6545674E-56E4-4678-8196-D39826307EEE}" type="slidenum">
               <a:rPr lang="en-US" smtClean="0"/>
+              <a:pPr/>
               <a:t>‹#›</a:t>
             </a:fld>
             <a:endParaRPr lang="en-US"/>
@@ -2457,7 +2480,8 @@
           <a:p>
             <a:fld id="{1543F103-66FF-47AC-A04B-63963FFB51F7}" type="datetimeFigureOut">
               <a:rPr lang="en-US" smtClean="0"/>
-              <a:t>27/08/2017</a:t>
+              <a:pPr/>
+              <a:t>30/08/2017</a:t>
             </a:fld>
             <a:endParaRPr lang="en-US"/>
           </a:p>
@@ -2499,6 +2523,7 @@
           <a:p>
             <a:fld id="{6545674E-56E4-4678-8196-D39826307EEE}" type="slidenum">
               <a:rPr lang="en-US" smtClean="0"/>
+              <a:pPr/>
               <a:t>‹#›</a:t>
             </a:fld>
             <a:endParaRPr lang="en-US"/>
@@ -2665,7 +2690,8 @@
           <a:p>
             <a:fld id="{1543F103-66FF-47AC-A04B-63963FFB51F7}" type="datetimeFigureOut">
               <a:rPr lang="en-US" smtClean="0"/>
-              <a:t>27/08/2017</a:t>
+              <a:pPr/>
+              <a:t>30/08/2017</a:t>
             </a:fld>
             <a:endParaRPr lang="en-US"/>
           </a:p>
@@ -2743,6 +2769,7 @@
           <a:p>
             <a:fld id="{6545674E-56E4-4678-8196-D39826307EEE}" type="slidenum">
               <a:rPr lang="en-US" smtClean="0"/>
+              <a:pPr/>
               <a:t>‹#›</a:t>
             </a:fld>
             <a:endParaRPr lang="en-US"/>
@@ -3498,6 +3525,1432 @@
           </a:p>
         </p:txBody>
       </p:sp>
+    </p:spTree>
+  </p:cSld>
+  <p:clrMapOvr>
+    <a:masterClrMapping/>
+  </p:clrMapOvr>
+</p:sld>
+</file>
+
+<file path=ppt/slides/slide2.xml><?xml version="1.0" encoding="utf-8"?>
+<p:sld xmlns:a="http://schemas.openxmlformats.org/drawingml/2006/main" xmlns:r="http://schemas.openxmlformats.org/officeDocument/2006/relationships" xmlns:p="http://schemas.openxmlformats.org/presentationml/2006/main">
+  <p:cSld>
+    <p:spTree>
+      <p:nvGrpSpPr>
+        <p:cNvPr id="1" name=""/>
+        <p:cNvGrpSpPr/>
+        <p:nvPr/>
+      </p:nvGrpSpPr>
+      <p:grpSpPr>
+        <a:xfrm>
+          <a:off x="0" y="0"/>
+          <a:ext cx="0" cy="0"/>
+          <a:chOff x="0" y="0"/>
+          <a:chExt cx="0" cy="0"/>
+        </a:xfrm>
+      </p:grpSpPr>
+      <p:sp>
+        <p:nvSpPr>
+          <p:cNvPr id="20" name="TextBox 19"/>
+          <p:cNvSpPr txBox="1"/>
+          <p:nvPr/>
+        </p:nvSpPr>
+        <p:spPr>
+          <a:xfrm>
+            <a:off x="0" y="0"/>
+            <a:ext cx="9144000" cy="584775"/>
+          </a:xfrm>
+          <a:prstGeom prst="rect">
+            <a:avLst/>
+          </a:prstGeom>
+        </p:spPr>
+        <p:style>
+          <a:lnRef idx="2">
+            <a:schemeClr val="accent2">
+              <a:shade val="50000"/>
+            </a:schemeClr>
+          </a:lnRef>
+          <a:fillRef idx="1">
+            <a:schemeClr val="accent2"/>
+          </a:fillRef>
+          <a:effectRef idx="0">
+            <a:schemeClr val="accent2"/>
+          </a:effectRef>
+          <a:fontRef idx="minor">
+            <a:schemeClr val="lt1"/>
+          </a:fontRef>
+        </p:style>
+        <p:txBody>
+          <a:bodyPr wrap="square" rtlCol="0">
+            <a:spAutoFit/>
+          </a:bodyPr>
+          <a:lstStyle/>
+          <a:p>
+            <a:pPr algn="ctr"/>
+            <a:r>
+              <a:rPr lang="en-US" sz="3200" dirty="0" smtClean="0"/>
+              <a:t>Angular Component Tree</a:t>
+            </a:r>
+            <a:endParaRPr lang="en-US" sz="3200" dirty="0"/>
+          </a:p>
+        </p:txBody>
+      </p:sp>
+      <p:sp>
+        <p:nvSpPr>
+          <p:cNvPr id="13" name="Rectangle 12"/>
+          <p:cNvSpPr/>
+          <p:nvPr/>
+        </p:nvSpPr>
+        <p:spPr>
+          <a:xfrm>
+            <a:off x="3200400" y="914400"/>
+            <a:ext cx="2819400" cy="914400"/>
+          </a:xfrm>
+          <a:prstGeom prst="rect">
+            <a:avLst/>
+          </a:prstGeom>
+        </p:spPr>
+        <p:style>
+          <a:lnRef idx="3">
+            <a:schemeClr val="lt1"/>
+          </a:lnRef>
+          <a:fillRef idx="1">
+            <a:schemeClr val="accent3"/>
+          </a:fillRef>
+          <a:effectRef idx="1">
+            <a:schemeClr val="accent3"/>
+          </a:effectRef>
+          <a:fontRef idx="minor">
+            <a:schemeClr val="lt1"/>
+          </a:fontRef>
+        </p:style>
+        <p:txBody>
+          <a:bodyPr rtlCol="0" anchor="ctr"/>
+          <a:lstStyle/>
+          <a:p>
+            <a:pPr algn="ctr"/>
+            <a:r>
+              <a:rPr lang="en-US" dirty="0" smtClean="0"/>
+              <a:t>Root Component</a:t>
+            </a:r>
+            <a:endParaRPr lang="en-US" dirty="0"/>
+          </a:p>
+        </p:txBody>
+      </p:sp>
+      <p:sp>
+        <p:nvSpPr>
+          <p:cNvPr id="14" name="Rectangle 13"/>
+          <p:cNvSpPr/>
+          <p:nvPr/>
+        </p:nvSpPr>
+        <p:spPr>
+          <a:xfrm>
+            <a:off x="1447800" y="2667000"/>
+            <a:ext cx="2286000" cy="914400"/>
+          </a:xfrm>
+          <a:prstGeom prst="rect">
+            <a:avLst/>
+          </a:prstGeom>
+        </p:spPr>
+        <p:style>
+          <a:lnRef idx="3">
+            <a:schemeClr val="lt1"/>
+          </a:lnRef>
+          <a:fillRef idx="1">
+            <a:schemeClr val="accent3"/>
+          </a:fillRef>
+          <a:effectRef idx="1">
+            <a:schemeClr val="accent3"/>
+          </a:effectRef>
+          <a:fontRef idx="minor">
+            <a:schemeClr val="lt1"/>
+          </a:fontRef>
+        </p:style>
+        <p:txBody>
+          <a:bodyPr rtlCol="0" anchor="ctr"/>
+          <a:lstStyle/>
+          <a:p>
+            <a:pPr algn="ctr"/>
+            <a:r>
+              <a:rPr lang="en-US" dirty="0" smtClean="0"/>
+              <a:t>Parent1Component</a:t>
+            </a:r>
+            <a:endParaRPr lang="en-US" dirty="0"/>
+          </a:p>
+        </p:txBody>
+      </p:sp>
+      <p:sp>
+        <p:nvSpPr>
+          <p:cNvPr id="15" name="Rectangle 14"/>
+          <p:cNvSpPr/>
+          <p:nvPr/>
+        </p:nvSpPr>
+        <p:spPr>
+          <a:xfrm>
+            <a:off x="2743200" y="4495800"/>
+            <a:ext cx="2362200" cy="914400"/>
+          </a:xfrm>
+          <a:prstGeom prst="rect">
+            <a:avLst/>
+          </a:prstGeom>
+        </p:spPr>
+        <p:style>
+          <a:lnRef idx="3">
+            <a:schemeClr val="lt1"/>
+          </a:lnRef>
+          <a:fillRef idx="1">
+            <a:schemeClr val="accent3"/>
+          </a:fillRef>
+          <a:effectRef idx="1">
+            <a:schemeClr val="accent3"/>
+          </a:effectRef>
+          <a:fontRef idx="minor">
+            <a:schemeClr val="lt1"/>
+          </a:fontRef>
+        </p:style>
+        <p:txBody>
+          <a:bodyPr rtlCol="0" anchor="ctr"/>
+          <a:lstStyle/>
+          <a:p>
+            <a:pPr algn="ctr"/>
+            <a:r>
+              <a:rPr lang="en-US" dirty="0" smtClean="0"/>
+              <a:t>Child2Component</a:t>
+            </a:r>
+            <a:endParaRPr lang="en-US" dirty="0"/>
+          </a:p>
+        </p:txBody>
+      </p:sp>
+      <p:sp>
+        <p:nvSpPr>
+          <p:cNvPr id="16" name="Rectangle 15"/>
+          <p:cNvSpPr/>
+          <p:nvPr/>
+        </p:nvSpPr>
+        <p:spPr>
+          <a:xfrm>
+            <a:off x="228600" y="4495800"/>
+            <a:ext cx="2362200" cy="914400"/>
+          </a:xfrm>
+          <a:prstGeom prst="rect">
+            <a:avLst/>
+          </a:prstGeom>
+        </p:spPr>
+        <p:style>
+          <a:lnRef idx="3">
+            <a:schemeClr val="lt1"/>
+          </a:lnRef>
+          <a:fillRef idx="1">
+            <a:schemeClr val="accent3"/>
+          </a:fillRef>
+          <a:effectRef idx="1">
+            <a:schemeClr val="accent3"/>
+          </a:effectRef>
+          <a:fontRef idx="minor">
+            <a:schemeClr val="lt1"/>
+          </a:fontRef>
+        </p:style>
+        <p:txBody>
+          <a:bodyPr rtlCol="0" anchor="ctr"/>
+          <a:lstStyle/>
+          <a:p>
+            <a:pPr algn="ctr"/>
+            <a:r>
+              <a:rPr lang="en-US" dirty="0" smtClean="0"/>
+              <a:t>Child1Component</a:t>
+            </a:r>
+            <a:endParaRPr lang="en-US" dirty="0"/>
+          </a:p>
+        </p:txBody>
+      </p:sp>
+      <p:sp>
+        <p:nvSpPr>
+          <p:cNvPr id="17" name="Rectangle 16"/>
+          <p:cNvSpPr/>
+          <p:nvPr/>
+        </p:nvSpPr>
+        <p:spPr>
+          <a:xfrm>
+            <a:off x="6172200" y="2667000"/>
+            <a:ext cx="2286000" cy="914400"/>
+          </a:xfrm>
+          <a:prstGeom prst="rect">
+            <a:avLst/>
+          </a:prstGeom>
+        </p:spPr>
+        <p:style>
+          <a:lnRef idx="3">
+            <a:schemeClr val="lt1"/>
+          </a:lnRef>
+          <a:fillRef idx="1">
+            <a:schemeClr val="accent3"/>
+          </a:fillRef>
+          <a:effectRef idx="1">
+            <a:schemeClr val="accent3"/>
+          </a:effectRef>
+          <a:fontRef idx="minor">
+            <a:schemeClr val="lt1"/>
+          </a:fontRef>
+        </p:style>
+        <p:txBody>
+          <a:bodyPr rtlCol="0" anchor="ctr"/>
+          <a:lstStyle/>
+          <a:p>
+            <a:pPr algn="ctr"/>
+            <a:r>
+              <a:rPr lang="en-US" dirty="0" smtClean="0"/>
+              <a:t>Parent2Component</a:t>
+            </a:r>
+            <a:endParaRPr lang="en-US" dirty="0"/>
+          </a:p>
+        </p:txBody>
+      </p:sp>
+      <p:sp>
+        <p:nvSpPr>
+          <p:cNvPr id="26" name="Rectangle 25"/>
+          <p:cNvSpPr/>
+          <p:nvPr/>
+        </p:nvSpPr>
+        <p:spPr>
+          <a:xfrm>
+            <a:off x="6129336" y="4495800"/>
+            <a:ext cx="2362200" cy="914400"/>
+          </a:xfrm>
+          <a:prstGeom prst="rect">
+            <a:avLst/>
+          </a:prstGeom>
+        </p:spPr>
+        <p:style>
+          <a:lnRef idx="3">
+            <a:schemeClr val="lt1"/>
+          </a:lnRef>
+          <a:fillRef idx="1">
+            <a:schemeClr val="accent3"/>
+          </a:fillRef>
+          <a:effectRef idx="1">
+            <a:schemeClr val="accent3"/>
+          </a:effectRef>
+          <a:fontRef idx="minor">
+            <a:schemeClr val="lt1"/>
+          </a:fontRef>
+        </p:style>
+        <p:txBody>
+          <a:bodyPr rtlCol="0" anchor="ctr"/>
+          <a:lstStyle/>
+          <a:p>
+            <a:pPr algn="ctr"/>
+            <a:r>
+              <a:rPr lang="en-US" dirty="0" smtClean="0"/>
+              <a:t>Child3Component</a:t>
+            </a:r>
+            <a:endParaRPr lang="en-US" dirty="0"/>
+          </a:p>
+        </p:txBody>
+      </p:sp>
+      <p:cxnSp>
+        <p:nvCxnSpPr>
+          <p:cNvPr id="30" name="Elbow Connector 29"/>
+          <p:cNvCxnSpPr>
+            <a:stCxn id="13" idx="2"/>
+            <a:endCxn id="14" idx="0"/>
+          </p:cNvCxnSpPr>
+          <p:nvPr/>
+        </p:nvCxnSpPr>
+        <p:spPr>
+          <a:xfrm rot="5400000">
+            <a:off x="3181350" y="1238250"/>
+            <a:ext cx="838200" cy="2019300"/>
+          </a:xfrm>
+          <a:prstGeom prst="bentConnector3">
+            <a:avLst>
+              <a:gd name="adj1" fmla="val 50000"/>
+            </a:avLst>
+          </a:prstGeom>
+          <a:ln>
+            <a:tailEnd type="arrow"/>
+          </a:ln>
+        </p:spPr>
+        <p:style>
+          <a:lnRef idx="1">
+            <a:schemeClr val="accent1"/>
+          </a:lnRef>
+          <a:fillRef idx="0">
+            <a:schemeClr val="accent1"/>
+          </a:fillRef>
+          <a:effectRef idx="0">
+            <a:schemeClr val="accent1"/>
+          </a:effectRef>
+          <a:fontRef idx="minor">
+            <a:schemeClr val="tx1"/>
+          </a:fontRef>
+        </p:style>
+      </p:cxnSp>
+      <p:cxnSp>
+        <p:nvCxnSpPr>
+          <p:cNvPr id="32" name="Elbow Connector 31"/>
+          <p:cNvCxnSpPr>
+            <a:stCxn id="13" idx="2"/>
+            <a:endCxn id="17" idx="0"/>
+          </p:cNvCxnSpPr>
+          <p:nvPr/>
+        </p:nvCxnSpPr>
+        <p:spPr>
+          <a:xfrm rot="16200000" flipH="1">
+            <a:off x="5543550" y="895350"/>
+            <a:ext cx="838200" cy="2705100"/>
+          </a:xfrm>
+          <a:prstGeom prst="bentConnector3">
+            <a:avLst>
+              <a:gd name="adj1" fmla="val 50000"/>
+            </a:avLst>
+          </a:prstGeom>
+          <a:ln>
+            <a:tailEnd type="arrow"/>
+          </a:ln>
+        </p:spPr>
+        <p:style>
+          <a:lnRef idx="1">
+            <a:schemeClr val="accent1"/>
+          </a:lnRef>
+          <a:fillRef idx="0">
+            <a:schemeClr val="accent1"/>
+          </a:fillRef>
+          <a:effectRef idx="0">
+            <a:schemeClr val="accent1"/>
+          </a:effectRef>
+          <a:fontRef idx="minor">
+            <a:schemeClr val="tx1"/>
+          </a:fontRef>
+        </p:style>
+      </p:cxnSp>
+      <p:cxnSp>
+        <p:nvCxnSpPr>
+          <p:cNvPr id="35" name="Elbow Connector 34"/>
+          <p:cNvCxnSpPr>
+            <a:stCxn id="14" idx="2"/>
+            <a:endCxn id="16" idx="0"/>
+          </p:cNvCxnSpPr>
+          <p:nvPr/>
+        </p:nvCxnSpPr>
+        <p:spPr>
+          <a:xfrm rot="5400000">
+            <a:off x="1543050" y="3448050"/>
+            <a:ext cx="914400" cy="1181100"/>
+          </a:xfrm>
+          <a:prstGeom prst="bentConnector3">
+            <a:avLst>
+              <a:gd name="adj1" fmla="val 50000"/>
+            </a:avLst>
+          </a:prstGeom>
+          <a:ln>
+            <a:tailEnd type="arrow"/>
+          </a:ln>
+        </p:spPr>
+        <p:style>
+          <a:lnRef idx="1">
+            <a:schemeClr val="accent1"/>
+          </a:lnRef>
+          <a:fillRef idx="0">
+            <a:schemeClr val="accent1"/>
+          </a:fillRef>
+          <a:effectRef idx="0">
+            <a:schemeClr val="accent1"/>
+          </a:effectRef>
+          <a:fontRef idx="minor">
+            <a:schemeClr val="tx1"/>
+          </a:fontRef>
+        </p:style>
+      </p:cxnSp>
+      <p:cxnSp>
+        <p:nvCxnSpPr>
+          <p:cNvPr id="37" name="Elbow Connector 36"/>
+          <p:cNvCxnSpPr>
+            <a:stCxn id="14" idx="2"/>
+            <a:endCxn id="15" idx="0"/>
+          </p:cNvCxnSpPr>
+          <p:nvPr/>
+        </p:nvCxnSpPr>
+        <p:spPr>
+          <a:xfrm rot="16200000" flipH="1">
+            <a:off x="2800350" y="3371850"/>
+            <a:ext cx="914400" cy="1333500"/>
+          </a:xfrm>
+          <a:prstGeom prst="bentConnector3">
+            <a:avLst>
+              <a:gd name="adj1" fmla="val 50000"/>
+            </a:avLst>
+          </a:prstGeom>
+          <a:ln>
+            <a:tailEnd type="arrow"/>
+          </a:ln>
+        </p:spPr>
+        <p:style>
+          <a:lnRef idx="1">
+            <a:schemeClr val="accent1"/>
+          </a:lnRef>
+          <a:fillRef idx="0">
+            <a:schemeClr val="accent1"/>
+          </a:fillRef>
+          <a:effectRef idx="0">
+            <a:schemeClr val="accent1"/>
+          </a:effectRef>
+          <a:fontRef idx="minor">
+            <a:schemeClr val="tx1"/>
+          </a:fontRef>
+        </p:style>
+      </p:cxnSp>
+      <p:cxnSp>
+        <p:nvCxnSpPr>
+          <p:cNvPr id="46" name="Straight Arrow Connector 45"/>
+          <p:cNvCxnSpPr>
+            <a:stCxn id="17" idx="2"/>
+            <a:endCxn id="26" idx="0"/>
+          </p:cNvCxnSpPr>
+          <p:nvPr/>
+        </p:nvCxnSpPr>
+        <p:spPr>
+          <a:xfrm rot="5400000">
+            <a:off x="6855618" y="4036218"/>
+            <a:ext cx="914400" cy="4764"/>
+          </a:xfrm>
+          <a:prstGeom prst="straightConnector1">
+            <a:avLst/>
+          </a:prstGeom>
+          <a:ln>
+            <a:tailEnd type="arrow"/>
+          </a:ln>
+        </p:spPr>
+        <p:style>
+          <a:lnRef idx="1">
+            <a:schemeClr val="accent1"/>
+          </a:lnRef>
+          <a:fillRef idx="0">
+            <a:schemeClr val="accent1"/>
+          </a:fillRef>
+          <a:effectRef idx="0">
+            <a:schemeClr val="accent1"/>
+          </a:effectRef>
+          <a:fontRef idx="minor">
+            <a:schemeClr val="tx1"/>
+          </a:fontRef>
+        </p:style>
+      </p:cxnSp>
+    </p:spTree>
+  </p:cSld>
+  <p:clrMapOvr>
+    <a:masterClrMapping/>
+  </p:clrMapOvr>
+</p:sld>
+</file>
+
+<file path=ppt/slides/slide3.xml><?xml version="1.0" encoding="utf-8"?>
+<p:sld xmlns:a="http://schemas.openxmlformats.org/drawingml/2006/main" xmlns:r="http://schemas.openxmlformats.org/officeDocument/2006/relationships" xmlns:p="http://schemas.openxmlformats.org/presentationml/2006/main">
+  <p:cSld>
+    <p:spTree>
+      <p:nvGrpSpPr>
+        <p:cNvPr id="1" name=""/>
+        <p:cNvGrpSpPr/>
+        <p:nvPr/>
+      </p:nvGrpSpPr>
+      <p:grpSpPr>
+        <a:xfrm>
+          <a:off x="0" y="0"/>
+          <a:ext cx="0" cy="0"/>
+          <a:chOff x="0" y="0"/>
+          <a:chExt cx="0" cy="0"/>
+        </a:xfrm>
+      </p:grpSpPr>
+      <p:sp>
+        <p:nvSpPr>
+          <p:cNvPr id="20" name="TextBox 19"/>
+          <p:cNvSpPr txBox="1"/>
+          <p:nvPr/>
+        </p:nvSpPr>
+        <p:spPr>
+          <a:xfrm>
+            <a:off x="0" y="0"/>
+            <a:ext cx="9144000" cy="584775"/>
+          </a:xfrm>
+          <a:prstGeom prst="rect">
+            <a:avLst/>
+          </a:prstGeom>
+        </p:spPr>
+        <p:style>
+          <a:lnRef idx="2">
+            <a:schemeClr val="accent2">
+              <a:shade val="50000"/>
+            </a:schemeClr>
+          </a:lnRef>
+          <a:fillRef idx="1">
+            <a:schemeClr val="accent2"/>
+          </a:fillRef>
+          <a:effectRef idx="0">
+            <a:schemeClr val="accent2"/>
+          </a:effectRef>
+          <a:fontRef idx="minor">
+            <a:schemeClr val="lt1"/>
+          </a:fontRef>
+        </p:style>
+        <p:txBody>
+          <a:bodyPr wrap="square" rtlCol="0">
+            <a:spAutoFit/>
+          </a:bodyPr>
+          <a:lstStyle/>
+          <a:p>
+            <a:pPr algn="ctr"/>
+            <a:r>
+              <a:rPr lang="en-US" sz="3200" dirty="0" smtClean="0"/>
+              <a:t>Angular Component (Passing Data)</a:t>
+            </a:r>
+            <a:endParaRPr lang="en-US" sz="3200" dirty="0"/>
+          </a:p>
+        </p:txBody>
+      </p:sp>
+      <p:sp>
+        <p:nvSpPr>
+          <p:cNvPr id="13" name="Rectangle 12"/>
+          <p:cNvSpPr/>
+          <p:nvPr/>
+        </p:nvSpPr>
+        <p:spPr>
+          <a:xfrm>
+            <a:off x="3200400" y="914400"/>
+            <a:ext cx="2819400" cy="914400"/>
+          </a:xfrm>
+          <a:prstGeom prst="rect">
+            <a:avLst/>
+          </a:prstGeom>
+        </p:spPr>
+        <p:style>
+          <a:lnRef idx="3">
+            <a:schemeClr val="lt1"/>
+          </a:lnRef>
+          <a:fillRef idx="1">
+            <a:schemeClr val="accent3"/>
+          </a:fillRef>
+          <a:effectRef idx="1">
+            <a:schemeClr val="accent3"/>
+          </a:effectRef>
+          <a:fontRef idx="minor">
+            <a:schemeClr val="lt1"/>
+          </a:fontRef>
+        </p:style>
+        <p:txBody>
+          <a:bodyPr rtlCol="0" anchor="ctr"/>
+          <a:lstStyle/>
+          <a:p>
+            <a:pPr algn="ctr"/>
+            <a:r>
+              <a:rPr lang="en-US" dirty="0" err="1" smtClean="0"/>
+              <a:t>RootComponent</a:t>
+            </a:r>
+            <a:endParaRPr lang="en-US" dirty="0"/>
+          </a:p>
+        </p:txBody>
+      </p:sp>
+      <p:sp>
+        <p:nvSpPr>
+          <p:cNvPr id="14" name="Rectangle 13"/>
+          <p:cNvSpPr/>
+          <p:nvPr/>
+        </p:nvSpPr>
+        <p:spPr>
+          <a:xfrm>
+            <a:off x="1447800" y="2667000"/>
+            <a:ext cx="2286000" cy="914400"/>
+          </a:xfrm>
+          <a:prstGeom prst="rect">
+            <a:avLst/>
+          </a:prstGeom>
+        </p:spPr>
+        <p:style>
+          <a:lnRef idx="3">
+            <a:schemeClr val="lt1"/>
+          </a:lnRef>
+          <a:fillRef idx="1">
+            <a:schemeClr val="accent3"/>
+          </a:fillRef>
+          <a:effectRef idx="1">
+            <a:schemeClr val="accent3"/>
+          </a:effectRef>
+          <a:fontRef idx="minor">
+            <a:schemeClr val="lt1"/>
+          </a:fontRef>
+        </p:style>
+        <p:txBody>
+          <a:bodyPr rtlCol="0" anchor="ctr"/>
+          <a:lstStyle/>
+          <a:p>
+            <a:pPr algn="ctr"/>
+            <a:r>
+              <a:rPr lang="en-US" dirty="0" smtClean="0"/>
+              <a:t>Parent1Component</a:t>
+            </a:r>
+            <a:endParaRPr lang="en-US" dirty="0"/>
+          </a:p>
+        </p:txBody>
+      </p:sp>
+      <p:sp>
+        <p:nvSpPr>
+          <p:cNvPr id="15" name="Rectangle 14"/>
+          <p:cNvSpPr/>
+          <p:nvPr/>
+        </p:nvSpPr>
+        <p:spPr>
+          <a:xfrm>
+            <a:off x="2743200" y="4495800"/>
+            <a:ext cx="2362200" cy="914400"/>
+          </a:xfrm>
+          <a:prstGeom prst="rect">
+            <a:avLst/>
+          </a:prstGeom>
+        </p:spPr>
+        <p:style>
+          <a:lnRef idx="3">
+            <a:schemeClr val="lt1"/>
+          </a:lnRef>
+          <a:fillRef idx="1">
+            <a:schemeClr val="accent3"/>
+          </a:fillRef>
+          <a:effectRef idx="1">
+            <a:schemeClr val="accent3"/>
+          </a:effectRef>
+          <a:fontRef idx="minor">
+            <a:schemeClr val="lt1"/>
+          </a:fontRef>
+        </p:style>
+        <p:txBody>
+          <a:bodyPr rtlCol="0" anchor="ctr"/>
+          <a:lstStyle/>
+          <a:p>
+            <a:pPr algn="ctr"/>
+            <a:r>
+              <a:rPr lang="en-US" dirty="0" smtClean="0"/>
+              <a:t>Child2Componet</a:t>
+            </a:r>
+            <a:endParaRPr lang="en-US" dirty="0"/>
+          </a:p>
+        </p:txBody>
+      </p:sp>
+      <p:sp>
+        <p:nvSpPr>
+          <p:cNvPr id="16" name="Rectangle 15"/>
+          <p:cNvSpPr/>
+          <p:nvPr/>
+        </p:nvSpPr>
+        <p:spPr>
+          <a:xfrm>
+            <a:off x="228600" y="4495800"/>
+            <a:ext cx="2362200" cy="914400"/>
+          </a:xfrm>
+          <a:prstGeom prst="rect">
+            <a:avLst/>
+          </a:prstGeom>
+        </p:spPr>
+        <p:style>
+          <a:lnRef idx="3">
+            <a:schemeClr val="lt1"/>
+          </a:lnRef>
+          <a:fillRef idx="1">
+            <a:schemeClr val="accent3"/>
+          </a:fillRef>
+          <a:effectRef idx="1">
+            <a:schemeClr val="accent3"/>
+          </a:effectRef>
+          <a:fontRef idx="minor">
+            <a:schemeClr val="lt1"/>
+          </a:fontRef>
+        </p:style>
+        <p:txBody>
+          <a:bodyPr rtlCol="0" anchor="ctr"/>
+          <a:lstStyle/>
+          <a:p>
+            <a:pPr algn="ctr"/>
+            <a:r>
+              <a:rPr lang="en-US" dirty="0" smtClean="0"/>
+              <a:t>Child1Component</a:t>
+            </a:r>
+            <a:endParaRPr lang="en-US" dirty="0"/>
+          </a:p>
+        </p:txBody>
+      </p:sp>
+      <p:sp>
+        <p:nvSpPr>
+          <p:cNvPr id="17" name="Rectangle 16"/>
+          <p:cNvSpPr/>
+          <p:nvPr/>
+        </p:nvSpPr>
+        <p:spPr>
+          <a:xfrm>
+            <a:off x="6172200" y="2667000"/>
+            <a:ext cx="2286000" cy="914400"/>
+          </a:xfrm>
+          <a:prstGeom prst="rect">
+            <a:avLst/>
+          </a:prstGeom>
+        </p:spPr>
+        <p:style>
+          <a:lnRef idx="3">
+            <a:schemeClr val="lt1"/>
+          </a:lnRef>
+          <a:fillRef idx="1">
+            <a:schemeClr val="accent3"/>
+          </a:fillRef>
+          <a:effectRef idx="1">
+            <a:schemeClr val="accent3"/>
+          </a:effectRef>
+          <a:fontRef idx="minor">
+            <a:schemeClr val="lt1"/>
+          </a:fontRef>
+        </p:style>
+        <p:txBody>
+          <a:bodyPr rtlCol="0" anchor="ctr"/>
+          <a:lstStyle/>
+          <a:p>
+            <a:pPr algn="ctr"/>
+            <a:r>
+              <a:rPr lang="en-US" dirty="0" smtClean="0"/>
+              <a:t>Parent2Component</a:t>
+            </a:r>
+            <a:endParaRPr lang="en-US" dirty="0"/>
+          </a:p>
+        </p:txBody>
+      </p:sp>
+      <p:sp>
+        <p:nvSpPr>
+          <p:cNvPr id="26" name="Rectangle 25"/>
+          <p:cNvSpPr/>
+          <p:nvPr/>
+        </p:nvSpPr>
+        <p:spPr>
+          <a:xfrm>
+            <a:off x="6129336" y="4495800"/>
+            <a:ext cx="2362200" cy="914400"/>
+          </a:xfrm>
+          <a:prstGeom prst="rect">
+            <a:avLst/>
+          </a:prstGeom>
+        </p:spPr>
+        <p:style>
+          <a:lnRef idx="3">
+            <a:schemeClr val="lt1"/>
+          </a:lnRef>
+          <a:fillRef idx="1">
+            <a:schemeClr val="accent3"/>
+          </a:fillRef>
+          <a:effectRef idx="1">
+            <a:schemeClr val="accent3"/>
+          </a:effectRef>
+          <a:fontRef idx="minor">
+            <a:schemeClr val="lt1"/>
+          </a:fontRef>
+        </p:style>
+        <p:txBody>
+          <a:bodyPr rtlCol="0" anchor="ctr"/>
+          <a:lstStyle/>
+          <a:p>
+            <a:pPr algn="ctr"/>
+            <a:r>
+              <a:rPr lang="en-US" dirty="0" smtClean="0"/>
+              <a:t>Child3Component</a:t>
+            </a:r>
+            <a:endParaRPr lang="en-US" dirty="0"/>
+          </a:p>
+        </p:txBody>
+      </p:sp>
+      <p:cxnSp>
+        <p:nvCxnSpPr>
+          <p:cNvPr id="30" name="Elbow Connector 29"/>
+          <p:cNvCxnSpPr>
+            <a:stCxn id="13" idx="2"/>
+            <a:endCxn id="14" idx="0"/>
+          </p:cNvCxnSpPr>
+          <p:nvPr/>
+        </p:nvCxnSpPr>
+        <p:spPr>
+          <a:xfrm rot="5400000">
+            <a:off x="3181350" y="1238250"/>
+            <a:ext cx="838200" cy="2019300"/>
+          </a:xfrm>
+          <a:prstGeom prst="bentConnector3">
+            <a:avLst>
+              <a:gd name="adj1" fmla="val 50000"/>
+            </a:avLst>
+          </a:prstGeom>
+          <a:ln>
+            <a:tailEnd type="arrow"/>
+          </a:ln>
+        </p:spPr>
+        <p:style>
+          <a:lnRef idx="1">
+            <a:schemeClr val="accent1"/>
+          </a:lnRef>
+          <a:fillRef idx="0">
+            <a:schemeClr val="accent1"/>
+          </a:fillRef>
+          <a:effectRef idx="0">
+            <a:schemeClr val="accent1"/>
+          </a:effectRef>
+          <a:fontRef idx="minor">
+            <a:schemeClr val="tx1"/>
+          </a:fontRef>
+        </p:style>
+      </p:cxnSp>
+      <p:cxnSp>
+        <p:nvCxnSpPr>
+          <p:cNvPr id="32" name="Elbow Connector 31"/>
+          <p:cNvCxnSpPr>
+            <a:stCxn id="13" idx="2"/>
+            <a:endCxn id="17" idx="0"/>
+          </p:cNvCxnSpPr>
+          <p:nvPr/>
+        </p:nvCxnSpPr>
+        <p:spPr>
+          <a:xfrm rot="16200000" flipH="1">
+            <a:off x="5543550" y="895350"/>
+            <a:ext cx="838200" cy="2705100"/>
+          </a:xfrm>
+          <a:prstGeom prst="bentConnector3">
+            <a:avLst>
+              <a:gd name="adj1" fmla="val 50000"/>
+            </a:avLst>
+          </a:prstGeom>
+          <a:ln>
+            <a:tailEnd type="arrow"/>
+          </a:ln>
+        </p:spPr>
+        <p:style>
+          <a:lnRef idx="1">
+            <a:schemeClr val="accent1"/>
+          </a:lnRef>
+          <a:fillRef idx="0">
+            <a:schemeClr val="accent1"/>
+          </a:fillRef>
+          <a:effectRef idx="0">
+            <a:schemeClr val="accent1"/>
+          </a:effectRef>
+          <a:fontRef idx="minor">
+            <a:schemeClr val="tx1"/>
+          </a:fontRef>
+        </p:style>
+      </p:cxnSp>
+      <p:cxnSp>
+        <p:nvCxnSpPr>
+          <p:cNvPr id="35" name="Elbow Connector 34"/>
+          <p:cNvCxnSpPr>
+            <a:stCxn id="14" idx="2"/>
+            <a:endCxn id="16" idx="0"/>
+          </p:cNvCxnSpPr>
+          <p:nvPr/>
+        </p:nvCxnSpPr>
+        <p:spPr>
+          <a:xfrm rot="5400000">
+            <a:off x="1543050" y="3448050"/>
+            <a:ext cx="914400" cy="1181100"/>
+          </a:xfrm>
+          <a:prstGeom prst="bentConnector3">
+            <a:avLst>
+              <a:gd name="adj1" fmla="val 50000"/>
+            </a:avLst>
+          </a:prstGeom>
+          <a:ln>
+            <a:tailEnd type="arrow"/>
+          </a:ln>
+        </p:spPr>
+        <p:style>
+          <a:lnRef idx="1">
+            <a:schemeClr val="accent1"/>
+          </a:lnRef>
+          <a:fillRef idx="0">
+            <a:schemeClr val="accent1"/>
+          </a:fillRef>
+          <a:effectRef idx="0">
+            <a:schemeClr val="accent1"/>
+          </a:effectRef>
+          <a:fontRef idx="minor">
+            <a:schemeClr val="tx1"/>
+          </a:fontRef>
+        </p:style>
+      </p:cxnSp>
+      <p:cxnSp>
+        <p:nvCxnSpPr>
+          <p:cNvPr id="37" name="Elbow Connector 36"/>
+          <p:cNvCxnSpPr>
+            <a:stCxn id="14" idx="2"/>
+            <a:endCxn id="15" idx="0"/>
+          </p:cNvCxnSpPr>
+          <p:nvPr/>
+        </p:nvCxnSpPr>
+        <p:spPr>
+          <a:xfrm rot="16200000" flipH="1">
+            <a:off x="2800350" y="3371850"/>
+            <a:ext cx="914400" cy="1333500"/>
+          </a:xfrm>
+          <a:prstGeom prst="bentConnector3">
+            <a:avLst>
+              <a:gd name="adj1" fmla="val 50000"/>
+            </a:avLst>
+          </a:prstGeom>
+          <a:ln>
+            <a:tailEnd type="arrow"/>
+          </a:ln>
+        </p:spPr>
+        <p:style>
+          <a:lnRef idx="1">
+            <a:schemeClr val="accent1"/>
+          </a:lnRef>
+          <a:fillRef idx="0">
+            <a:schemeClr val="accent1"/>
+          </a:fillRef>
+          <a:effectRef idx="0">
+            <a:schemeClr val="accent1"/>
+          </a:effectRef>
+          <a:fontRef idx="minor">
+            <a:schemeClr val="tx1"/>
+          </a:fontRef>
+        </p:style>
+      </p:cxnSp>
+      <p:cxnSp>
+        <p:nvCxnSpPr>
+          <p:cNvPr id="46" name="Straight Arrow Connector 45"/>
+          <p:cNvCxnSpPr>
+            <a:stCxn id="17" idx="2"/>
+            <a:endCxn id="26" idx="0"/>
+          </p:cNvCxnSpPr>
+          <p:nvPr/>
+        </p:nvCxnSpPr>
+        <p:spPr>
+          <a:xfrm rot="5400000">
+            <a:off x="6855618" y="4036218"/>
+            <a:ext cx="914400" cy="4764"/>
+          </a:xfrm>
+          <a:prstGeom prst="straightConnector1">
+            <a:avLst/>
+          </a:prstGeom>
+          <a:ln>
+            <a:tailEnd type="arrow"/>
+          </a:ln>
+        </p:spPr>
+        <p:style>
+          <a:lnRef idx="1">
+            <a:schemeClr val="accent1"/>
+          </a:lnRef>
+          <a:fillRef idx="0">
+            <a:schemeClr val="accent1"/>
+          </a:fillRef>
+          <a:effectRef idx="0">
+            <a:schemeClr val="accent1"/>
+          </a:effectRef>
+          <a:fontRef idx="minor">
+            <a:schemeClr val="tx1"/>
+          </a:fontRef>
+        </p:style>
+      </p:cxnSp>
+      <p:cxnSp>
+        <p:nvCxnSpPr>
+          <p:cNvPr id="50" name="Curved Connector 49"/>
+          <p:cNvCxnSpPr>
+            <a:endCxn id="13" idx="3"/>
+          </p:cNvCxnSpPr>
+          <p:nvPr/>
+        </p:nvCxnSpPr>
+        <p:spPr>
+          <a:xfrm rot="10800000">
+            <a:off x="6019800" y="1371600"/>
+            <a:ext cx="2438400" cy="1676400"/>
+          </a:xfrm>
+          <a:prstGeom prst="curvedConnector3">
+            <a:avLst>
+              <a:gd name="adj1" fmla="val -11523"/>
+            </a:avLst>
+          </a:prstGeom>
+          <a:ln>
+            <a:prstDash val="dashDot"/>
+            <a:tailEnd type="arrow"/>
+          </a:ln>
+        </p:spPr>
+        <p:style>
+          <a:lnRef idx="1">
+            <a:schemeClr val="accent1"/>
+          </a:lnRef>
+          <a:fillRef idx="0">
+            <a:schemeClr val="accent1"/>
+          </a:fillRef>
+          <a:effectRef idx="0">
+            <a:schemeClr val="accent1"/>
+          </a:effectRef>
+          <a:fontRef idx="minor">
+            <a:schemeClr val="tx1"/>
+          </a:fontRef>
+        </p:style>
+      </p:cxnSp>
+      <p:cxnSp>
+        <p:nvCxnSpPr>
+          <p:cNvPr id="51" name="Curved Connector 50"/>
+          <p:cNvCxnSpPr>
+            <a:stCxn id="26" idx="3"/>
+            <a:endCxn id="17" idx="3"/>
+          </p:cNvCxnSpPr>
+          <p:nvPr/>
+        </p:nvCxnSpPr>
+        <p:spPr>
+          <a:xfrm flipH="1" flipV="1">
+            <a:off x="8458200" y="3124200"/>
+            <a:ext cx="33336" cy="1828800"/>
+          </a:xfrm>
+          <a:prstGeom prst="curvedConnector3">
+            <a:avLst>
+              <a:gd name="adj1" fmla="val -1285773"/>
+            </a:avLst>
+          </a:prstGeom>
+          <a:ln>
+            <a:prstDash val="dashDot"/>
+            <a:tailEnd type="arrow"/>
+          </a:ln>
+        </p:spPr>
+        <p:style>
+          <a:lnRef idx="1">
+            <a:schemeClr val="accent1"/>
+          </a:lnRef>
+          <a:fillRef idx="0">
+            <a:schemeClr val="accent1"/>
+          </a:fillRef>
+          <a:effectRef idx="0">
+            <a:schemeClr val="accent1"/>
+          </a:effectRef>
+          <a:fontRef idx="minor">
+            <a:schemeClr val="tx1"/>
+          </a:fontRef>
+        </p:style>
+      </p:cxnSp>
+      <p:cxnSp>
+        <p:nvCxnSpPr>
+          <p:cNvPr id="58" name="Curved Connector 57"/>
+          <p:cNvCxnSpPr>
+            <a:stCxn id="15" idx="3"/>
+            <a:endCxn id="14" idx="3"/>
+          </p:cNvCxnSpPr>
+          <p:nvPr/>
+        </p:nvCxnSpPr>
+        <p:spPr>
+          <a:xfrm flipH="1" flipV="1">
+            <a:off x="3733800" y="3124200"/>
+            <a:ext cx="1371600" cy="1828800"/>
+          </a:xfrm>
+          <a:prstGeom prst="curvedConnector3">
+            <a:avLst>
+              <a:gd name="adj1" fmla="val -22917"/>
+            </a:avLst>
+          </a:prstGeom>
+          <a:ln>
+            <a:prstDash val="dashDot"/>
+            <a:tailEnd type="arrow"/>
+          </a:ln>
+        </p:spPr>
+        <p:style>
+          <a:lnRef idx="1">
+            <a:schemeClr val="accent1"/>
+          </a:lnRef>
+          <a:fillRef idx="0">
+            <a:schemeClr val="accent1"/>
+          </a:fillRef>
+          <a:effectRef idx="0">
+            <a:schemeClr val="accent1"/>
+          </a:effectRef>
+          <a:fontRef idx="minor">
+            <a:schemeClr val="tx1"/>
+          </a:fontRef>
+        </p:style>
+      </p:cxnSp>
+      <p:cxnSp>
+        <p:nvCxnSpPr>
+          <p:cNvPr id="70" name="Curved Connector 69"/>
+          <p:cNvCxnSpPr/>
+          <p:nvPr/>
+        </p:nvCxnSpPr>
+        <p:spPr>
+          <a:xfrm rot="10800000" flipH="1">
+            <a:off x="1371600" y="1371600"/>
+            <a:ext cx="1795464" cy="1752600"/>
+          </a:xfrm>
+          <a:prstGeom prst="curvedConnector3">
+            <a:avLst>
+              <a:gd name="adj1" fmla="val -4774"/>
+            </a:avLst>
+          </a:prstGeom>
+          <a:ln>
+            <a:prstDash val="dashDot"/>
+            <a:tailEnd type="arrow"/>
+          </a:ln>
+        </p:spPr>
+        <p:style>
+          <a:lnRef idx="1">
+            <a:schemeClr val="accent1"/>
+          </a:lnRef>
+          <a:fillRef idx="0">
+            <a:schemeClr val="accent1"/>
+          </a:fillRef>
+          <a:effectRef idx="0">
+            <a:schemeClr val="accent1"/>
+          </a:effectRef>
+          <a:fontRef idx="minor">
+            <a:schemeClr val="tx1"/>
+          </a:fontRef>
+        </p:style>
+      </p:cxnSp>
+      <p:cxnSp>
+        <p:nvCxnSpPr>
+          <p:cNvPr id="77" name="Curved Connector 76"/>
+          <p:cNvCxnSpPr>
+            <a:stCxn id="16" idx="1"/>
+            <a:endCxn id="14" idx="1"/>
+          </p:cNvCxnSpPr>
+          <p:nvPr/>
+        </p:nvCxnSpPr>
+        <p:spPr>
+          <a:xfrm rot="10800000" flipH="1">
+            <a:off x="228600" y="3124200"/>
+            <a:ext cx="1219200" cy="1828800"/>
+          </a:xfrm>
+          <a:prstGeom prst="curvedConnector3">
+            <a:avLst>
+              <a:gd name="adj1" fmla="val -8203"/>
+            </a:avLst>
+          </a:prstGeom>
+          <a:ln>
+            <a:prstDash val="dashDot"/>
+            <a:tailEnd type="arrow"/>
+          </a:ln>
+        </p:spPr>
+        <p:style>
+          <a:lnRef idx="1">
+            <a:schemeClr val="accent1"/>
+          </a:lnRef>
+          <a:fillRef idx="0">
+            <a:schemeClr val="accent1"/>
+          </a:fillRef>
+          <a:effectRef idx="0">
+            <a:schemeClr val="accent1"/>
+          </a:effectRef>
+          <a:fontRef idx="minor">
+            <a:schemeClr val="tx1"/>
+          </a:fontRef>
+        </p:style>
+      </p:cxnSp>
+      <p:sp>
+        <p:nvSpPr>
+          <p:cNvPr id="88" name="TextBox 87"/>
+          <p:cNvSpPr txBox="1"/>
+          <p:nvPr/>
+        </p:nvSpPr>
+        <p:spPr>
+          <a:xfrm rot="19202871">
+            <a:off x="1048986" y="1627529"/>
+            <a:ext cx="1168682" cy="369332"/>
+          </a:xfrm>
+          <a:prstGeom prst="rect">
+            <a:avLst/>
+          </a:prstGeom>
+          <a:noFill/>
+        </p:spPr>
+        <p:txBody>
+          <a:bodyPr wrap="square" rtlCol="0">
+            <a:spAutoFit/>
+          </a:bodyPr>
+          <a:lstStyle/>
+          <a:p>
+            <a:pPr algn="ctr"/>
+            <a:r>
+              <a:rPr lang="en-US" dirty="0" smtClean="0"/>
+              <a:t>Events</a:t>
+            </a:r>
+            <a:endParaRPr lang="en-US" dirty="0"/>
+          </a:p>
+        </p:txBody>
+      </p:sp>
+      <p:sp>
+        <p:nvSpPr>
+          <p:cNvPr id="89" name="TextBox 88"/>
+          <p:cNvSpPr txBox="1"/>
+          <p:nvPr/>
+        </p:nvSpPr>
+        <p:spPr>
+          <a:xfrm rot="1356243">
+            <a:off x="7525986" y="1551328"/>
+            <a:ext cx="1168682" cy="369332"/>
+          </a:xfrm>
+          <a:prstGeom prst="rect">
+            <a:avLst/>
+          </a:prstGeom>
+          <a:noFill/>
+        </p:spPr>
+        <p:txBody>
+          <a:bodyPr wrap="square" rtlCol="0">
+            <a:spAutoFit/>
+          </a:bodyPr>
+          <a:lstStyle/>
+          <a:p>
+            <a:pPr algn="ctr"/>
+            <a:r>
+              <a:rPr lang="en-US" dirty="0" smtClean="0"/>
+              <a:t>Events</a:t>
+            </a:r>
+            <a:endParaRPr lang="en-US" dirty="0"/>
+          </a:p>
+        </p:txBody>
+      </p:sp>
+      <p:sp>
+        <p:nvSpPr>
+          <p:cNvPr id="90" name="TextBox 89"/>
+          <p:cNvSpPr txBox="1"/>
+          <p:nvPr/>
+        </p:nvSpPr>
+        <p:spPr>
+          <a:xfrm rot="1755609">
+            <a:off x="4587703" y="3462450"/>
+            <a:ext cx="1168682" cy="369332"/>
+          </a:xfrm>
+          <a:prstGeom prst="rect">
+            <a:avLst/>
+          </a:prstGeom>
+          <a:noFill/>
+        </p:spPr>
+        <p:txBody>
+          <a:bodyPr wrap="square" rtlCol="0">
+            <a:spAutoFit/>
+          </a:bodyPr>
+          <a:lstStyle/>
+          <a:p>
+            <a:pPr algn="ctr"/>
+            <a:r>
+              <a:rPr lang="en-US" dirty="0" smtClean="0"/>
+              <a:t>Events</a:t>
+            </a:r>
+            <a:endParaRPr lang="en-US" dirty="0"/>
+          </a:p>
+        </p:txBody>
+      </p:sp>
+      <p:sp>
+        <p:nvSpPr>
+          <p:cNvPr id="91" name="TextBox 90"/>
+          <p:cNvSpPr txBox="1"/>
+          <p:nvPr/>
+        </p:nvSpPr>
+        <p:spPr>
+          <a:xfrm>
+            <a:off x="3200400" y="2057400"/>
+            <a:ext cx="1168682" cy="369332"/>
+          </a:xfrm>
+          <a:prstGeom prst="rect">
+            <a:avLst/>
+          </a:prstGeom>
+          <a:noFill/>
+        </p:spPr>
+        <p:txBody>
+          <a:bodyPr wrap="square" rtlCol="0">
+            <a:spAutoFit/>
+          </a:bodyPr>
+          <a:lstStyle/>
+          <a:p>
+            <a:pPr algn="ctr"/>
+            <a:r>
+              <a:rPr lang="en-US" dirty="0" smtClean="0"/>
+              <a:t>Property</a:t>
+            </a:r>
+            <a:endParaRPr lang="en-US" dirty="0"/>
+          </a:p>
+        </p:txBody>
+      </p:sp>
+      <p:sp>
+        <p:nvSpPr>
+          <p:cNvPr id="92" name="TextBox 91"/>
+          <p:cNvSpPr txBox="1"/>
+          <p:nvPr/>
+        </p:nvSpPr>
+        <p:spPr>
+          <a:xfrm rot="5400000">
+            <a:off x="6991725" y="3904875"/>
+            <a:ext cx="1016282" cy="369332"/>
+          </a:xfrm>
+          <a:prstGeom prst="rect">
+            <a:avLst/>
+          </a:prstGeom>
+          <a:noFill/>
+        </p:spPr>
+        <p:txBody>
+          <a:bodyPr wrap="square" rtlCol="0">
+            <a:spAutoFit/>
+          </a:bodyPr>
+          <a:lstStyle/>
+          <a:p>
+            <a:pPr algn="ctr"/>
+            <a:r>
+              <a:rPr lang="en-US" dirty="0" smtClean="0"/>
+              <a:t>Property</a:t>
+            </a:r>
+            <a:endParaRPr lang="en-US" dirty="0"/>
+          </a:p>
+        </p:txBody>
+      </p:sp>
+    </p:spTree>
+  </p:cSld>
+  <p:clrMapOvr>
+    <a:masterClrMapping/>
+  </p:clrMapOvr>
+</p:sld>
+</file>
+
+<file path=ppt/slides/slide4.xml><?xml version="1.0" encoding="utf-8"?>
+<p:sld xmlns:a="http://schemas.openxmlformats.org/drawingml/2006/main" xmlns:r="http://schemas.openxmlformats.org/officeDocument/2006/relationships" xmlns:p="http://schemas.openxmlformats.org/presentationml/2006/main">
+  <p:cSld>
+    <p:spTree>
+      <p:nvGrpSpPr>
+        <p:cNvPr id="1" name=""/>
+        <p:cNvGrpSpPr/>
+        <p:nvPr/>
+      </p:nvGrpSpPr>
+      <p:grpSpPr>
+        <a:xfrm>
+          <a:off x="0" y="0"/>
+          <a:ext cx="0" cy="0"/>
+          <a:chOff x="0" y="0"/>
+          <a:chExt cx="0" cy="0"/>
+        </a:xfrm>
+      </p:grpSpPr>
+      <p:pic>
+        <p:nvPicPr>
+          <p:cNvPr id="1026" name="Picture 2"/>
+          <p:cNvPicPr>
+            <a:picLocks noChangeAspect="1" noChangeArrowheads="1"/>
+          </p:cNvPicPr>
+          <p:nvPr/>
+        </p:nvPicPr>
+        <p:blipFill>
+          <a:blip r:embed="rId2"/>
+          <a:srcRect/>
+          <a:stretch>
+            <a:fillRect/>
+          </a:stretch>
+        </p:blipFill>
+        <p:spPr bwMode="auto">
+          <a:xfrm>
+            <a:off x="0" y="0"/>
+            <a:ext cx="12954000" cy="7315200"/>
+          </a:xfrm>
+          <a:prstGeom prst="rect">
+            <a:avLst/>
+          </a:prstGeom>
+          <a:noFill/>
+          <a:ln w="9525">
+            <a:noFill/>
+            <a:miter lim="800000"/>
+            <a:headEnd/>
+            <a:tailEnd/>
+          </a:ln>
+          <a:effectLst/>
+        </p:spPr>
+      </p:pic>
     </p:spTree>
   </p:cSld>
   <p:clrMapOvr>
